--- a/2021-05-21_GUI Snapshots.pptx
+++ b/2021-05-21_GUI Snapshots.pptx
@@ -5,24 +5,28 @@
     <p:sldMasterId id="2147483648" r:id="rId1"/>
   </p:sldMasterIdLst>
   <p:sldIdLst>
-    <p:sldId id="263" r:id="rId2"/>
-    <p:sldId id="264" r:id="rId3"/>
-    <p:sldId id="265" r:id="rId4"/>
-    <p:sldId id="268" r:id="rId5"/>
-    <p:sldId id="267" r:id="rId6"/>
-    <p:sldId id="266" r:id="rId7"/>
-    <p:sldId id="269" r:id="rId8"/>
-    <p:sldId id="274" r:id="rId9"/>
-    <p:sldId id="270" r:id="rId10"/>
-    <p:sldId id="260" r:id="rId11"/>
-    <p:sldId id="261" r:id="rId12"/>
-    <p:sldId id="272" r:id="rId13"/>
-    <p:sldId id="271" r:id="rId14"/>
-    <p:sldId id="262" r:id="rId15"/>
-    <p:sldId id="259" r:id="rId16"/>
-    <p:sldId id="256" r:id="rId17"/>
-    <p:sldId id="257" r:id="rId18"/>
-    <p:sldId id="258" r:id="rId19"/>
+    <p:sldId id="275" r:id="rId2"/>
+    <p:sldId id="276" r:id="rId3"/>
+    <p:sldId id="277" r:id="rId4"/>
+    <p:sldId id="278" r:id="rId5"/>
+    <p:sldId id="263" r:id="rId6"/>
+    <p:sldId id="264" r:id="rId7"/>
+    <p:sldId id="265" r:id="rId8"/>
+    <p:sldId id="268" r:id="rId9"/>
+    <p:sldId id="267" r:id="rId10"/>
+    <p:sldId id="266" r:id="rId11"/>
+    <p:sldId id="269" r:id="rId12"/>
+    <p:sldId id="274" r:id="rId13"/>
+    <p:sldId id="270" r:id="rId14"/>
+    <p:sldId id="260" r:id="rId15"/>
+    <p:sldId id="261" r:id="rId16"/>
+    <p:sldId id="272" r:id="rId17"/>
+    <p:sldId id="271" r:id="rId18"/>
+    <p:sldId id="262" r:id="rId19"/>
+    <p:sldId id="259" r:id="rId20"/>
+    <p:sldId id="256" r:id="rId21"/>
+    <p:sldId id="257" r:id="rId22"/>
+    <p:sldId id="258" r:id="rId23"/>
   </p:sldIdLst>
   <p:sldSz cx="12192000" cy="6858000"/>
   <p:notesSz cx="6858000" cy="9144000"/>
@@ -276,7 +280,7 @@
           <a:p>
             <a:fld id="{1968AAD4-756D-4BED-AA12-F468EC35A9B8}" type="datetimeFigureOut">
               <a:rPr lang="de-DE" smtClean="0"/>
-              <a:t>20.05.2021</a:t>
+              <a:t>21.05.2021</a:t>
             </a:fld>
             <a:endParaRPr lang="de-DE"/>
           </a:p>
@@ -474,7 +478,7 @@
           <a:p>
             <a:fld id="{1968AAD4-756D-4BED-AA12-F468EC35A9B8}" type="datetimeFigureOut">
               <a:rPr lang="de-DE" smtClean="0"/>
-              <a:t>20.05.2021</a:t>
+              <a:t>21.05.2021</a:t>
             </a:fld>
             <a:endParaRPr lang="de-DE"/>
           </a:p>
@@ -682,7 +686,7 @@
           <a:p>
             <a:fld id="{1968AAD4-756D-4BED-AA12-F468EC35A9B8}" type="datetimeFigureOut">
               <a:rPr lang="de-DE" smtClean="0"/>
-              <a:t>20.05.2021</a:t>
+              <a:t>21.05.2021</a:t>
             </a:fld>
             <a:endParaRPr lang="de-DE"/>
           </a:p>
@@ -880,7 +884,7 @@
           <a:p>
             <a:fld id="{1968AAD4-756D-4BED-AA12-F468EC35A9B8}" type="datetimeFigureOut">
               <a:rPr lang="de-DE" smtClean="0"/>
-              <a:t>20.05.2021</a:t>
+              <a:t>21.05.2021</a:t>
             </a:fld>
             <a:endParaRPr lang="de-DE"/>
           </a:p>
@@ -1155,7 +1159,7 @@
           <a:p>
             <a:fld id="{1968AAD4-756D-4BED-AA12-F468EC35A9B8}" type="datetimeFigureOut">
               <a:rPr lang="de-DE" smtClean="0"/>
-              <a:t>20.05.2021</a:t>
+              <a:t>21.05.2021</a:t>
             </a:fld>
             <a:endParaRPr lang="de-DE"/>
           </a:p>
@@ -1420,7 +1424,7 @@
           <a:p>
             <a:fld id="{1968AAD4-756D-4BED-AA12-F468EC35A9B8}" type="datetimeFigureOut">
               <a:rPr lang="de-DE" smtClean="0"/>
-              <a:t>20.05.2021</a:t>
+              <a:t>21.05.2021</a:t>
             </a:fld>
             <a:endParaRPr lang="de-DE"/>
           </a:p>
@@ -1832,7 +1836,7 @@
           <a:p>
             <a:fld id="{1968AAD4-756D-4BED-AA12-F468EC35A9B8}" type="datetimeFigureOut">
               <a:rPr lang="de-DE" smtClean="0"/>
-              <a:t>20.05.2021</a:t>
+              <a:t>21.05.2021</a:t>
             </a:fld>
             <a:endParaRPr lang="de-DE"/>
           </a:p>
@@ -1973,7 +1977,7 @@
           <a:p>
             <a:fld id="{1968AAD4-756D-4BED-AA12-F468EC35A9B8}" type="datetimeFigureOut">
               <a:rPr lang="de-DE" smtClean="0"/>
-              <a:t>20.05.2021</a:t>
+              <a:t>21.05.2021</a:t>
             </a:fld>
             <a:endParaRPr lang="de-DE"/>
           </a:p>
@@ -2086,7 +2090,7 @@
           <a:p>
             <a:fld id="{1968AAD4-756D-4BED-AA12-F468EC35A9B8}" type="datetimeFigureOut">
               <a:rPr lang="de-DE" smtClean="0"/>
-              <a:t>20.05.2021</a:t>
+              <a:t>21.05.2021</a:t>
             </a:fld>
             <a:endParaRPr lang="de-DE"/>
           </a:p>
@@ -2397,7 +2401,7 @@
           <a:p>
             <a:fld id="{1968AAD4-756D-4BED-AA12-F468EC35A9B8}" type="datetimeFigureOut">
               <a:rPr lang="de-DE" smtClean="0"/>
-              <a:t>20.05.2021</a:t>
+              <a:t>21.05.2021</a:t>
             </a:fld>
             <a:endParaRPr lang="de-DE"/>
           </a:p>
@@ -2685,7 +2689,7 @@
           <a:p>
             <a:fld id="{1968AAD4-756D-4BED-AA12-F468EC35A9B8}" type="datetimeFigureOut">
               <a:rPr lang="de-DE" smtClean="0"/>
-              <a:t>20.05.2021</a:t>
+              <a:t>21.05.2021</a:t>
             </a:fld>
             <a:endParaRPr lang="de-DE"/>
           </a:p>
@@ -2926,7 +2930,7 @@
           <a:p>
             <a:fld id="{1968AAD4-756D-4BED-AA12-F468EC35A9B8}" type="datetimeFigureOut">
               <a:rPr lang="de-DE" smtClean="0"/>
-              <a:t>20.05.2021</a:t>
+              <a:t>21.05.2021</a:t>
             </a:fld>
             <a:endParaRPr lang="de-DE"/>
           </a:p>
@@ -3348,7 +3352,7 @@
           <p:cNvPr id="2" name="Titel 1">
             <a:extLst>
               <a:ext uri="{FF2B5EF4-FFF2-40B4-BE49-F238E27FC236}">
-                <a16:creationId xmlns:a16="http://schemas.microsoft.com/office/drawing/2014/main" id="{399FE4F4-4C2A-4E8A-90DC-9FE61AD3C780}"/>
+                <a16:creationId xmlns:a16="http://schemas.microsoft.com/office/drawing/2014/main" id="{BBEBBA01-CF96-49B3-96BB-85749DEC6A3B}"/>
               </a:ext>
             </a:extLst>
           </p:cNvPr>
@@ -3366,7 +3370,7 @@
           <a:p>
             <a:r>
               <a:rPr lang="de-DE" dirty="0"/>
-              <a:t>Hauptprogramm</a:t>
+              <a:t>Daria bitte basteln</a:t>
             </a:r>
           </a:p>
         </p:txBody>
@@ -3374,7 +3378,7 @@
     </p:spTree>
     <p:extLst>
       <p:ext uri="{BB962C8B-B14F-4D97-AF65-F5344CB8AC3E}">
-        <p14:creationId xmlns:p14="http://schemas.microsoft.com/office/powerpoint/2010/main" val="3639309633"/>
+        <p14:creationId xmlns:p14="http://schemas.microsoft.com/office/powerpoint/2010/main" val="109587800"/>
       </p:ext>
     </p:extLst>
   </p:cSld>
@@ -3401,6 +3405,246 @@
           <a:chExt cx="0" cy="0"/>
         </a:xfrm>
       </p:grpSpPr>
+      <p:pic>
+        <p:nvPicPr>
+          <p:cNvPr id="3" name="Grafik 2">
+            <a:extLst>
+              <a:ext uri="{FF2B5EF4-FFF2-40B4-BE49-F238E27FC236}">
+                <a16:creationId xmlns:a16="http://schemas.microsoft.com/office/drawing/2014/main" id="{5DE74B3D-B780-4765-95F1-1F3D90FEEC08}"/>
+              </a:ext>
+            </a:extLst>
+          </p:cNvPr>
+          <p:cNvPicPr>
+            <a:picLocks noChangeAspect="1"/>
+          </p:cNvPicPr>
+          <p:nvPr/>
+        </p:nvPicPr>
+        <p:blipFill>
+          <a:blip r:embed="rId2"/>
+          <a:stretch>
+            <a:fillRect/>
+          </a:stretch>
+        </p:blipFill>
+        <p:spPr>
+          <a:xfrm>
+            <a:off x="1858234" y="0"/>
+            <a:ext cx="8475531" cy="6858000"/>
+          </a:xfrm>
+          <a:prstGeom prst="rect">
+            <a:avLst/>
+          </a:prstGeom>
+        </p:spPr>
+      </p:pic>
+    </p:spTree>
+    <p:extLst>
+      <p:ext uri="{BB962C8B-B14F-4D97-AF65-F5344CB8AC3E}">
+        <p14:creationId xmlns:p14="http://schemas.microsoft.com/office/powerpoint/2010/main" val="354337327"/>
+      </p:ext>
+    </p:extLst>
+  </p:cSld>
+  <p:clrMapOvr>
+    <a:masterClrMapping/>
+  </p:clrMapOvr>
+</p:sld>
+</file>
+
+<file path=ppt/slides/slide11.xml><?xml version="1.0" encoding="utf-8"?>
+<p:sld xmlns:a="http://schemas.openxmlformats.org/drawingml/2006/main" xmlns:r="http://schemas.openxmlformats.org/officeDocument/2006/relationships" xmlns:p="http://schemas.openxmlformats.org/presentationml/2006/main">
+  <p:cSld>
+    <p:spTree>
+      <p:nvGrpSpPr>
+        <p:cNvPr id="1" name=""/>
+        <p:cNvGrpSpPr/>
+        <p:nvPr/>
+      </p:nvGrpSpPr>
+      <p:grpSpPr>
+        <a:xfrm>
+          <a:off x="0" y="0"/>
+          <a:ext cx="0" cy="0"/>
+          <a:chOff x="0" y="0"/>
+          <a:chExt cx="0" cy="0"/>
+        </a:xfrm>
+      </p:grpSpPr>
+      <p:pic>
+        <p:nvPicPr>
+          <p:cNvPr id="4" name="Grafik 3">
+            <a:extLst>
+              <a:ext uri="{FF2B5EF4-FFF2-40B4-BE49-F238E27FC236}">
+                <a16:creationId xmlns:a16="http://schemas.microsoft.com/office/drawing/2014/main" id="{8EB9C6AF-383E-408A-A8B8-3CA7F9127C9B}"/>
+              </a:ext>
+            </a:extLst>
+          </p:cNvPr>
+          <p:cNvPicPr>
+            <a:picLocks noChangeAspect="1"/>
+          </p:cNvPicPr>
+          <p:nvPr/>
+        </p:nvPicPr>
+        <p:blipFill>
+          <a:blip r:embed="rId2"/>
+          <a:stretch>
+            <a:fillRect/>
+          </a:stretch>
+        </p:blipFill>
+        <p:spPr>
+          <a:xfrm>
+            <a:off x="1848997" y="0"/>
+            <a:ext cx="8494005" cy="6858000"/>
+          </a:xfrm>
+          <a:prstGeom prst="rect">
+            <a:avLst/>
+          </a:prstGeom>
+        </p:spPr>
+      </p:pic>
+    </p:spTree>
+    <p:extLst>
+      <p:ext uri="{BB962C8B-B14F-4D97-AF65-F5344CB8AC3E}">
+        <p14:creationId xmlns:p14="http://schemas.microsoft.com/office/powerpoint/2010/main" val="4078678137"/>
+      </p:ext>
+    </p:extLst>
+  </p:cSld>
+  <p:clrMapOvr>
+    <a:masterClrMapping/>
+  </p:clrMapOvr>
+</p:sld>
+</file>
+
+<file path=ppt/slides/slide12.xml><?xml version="1.0" encoding="utf-8"?>
+<p:sld xmlns:a="http://schemas.openxmlformats.org/drawingml/2006/main" xmlns:r="http://schemas.openxmlformats.org/officeDocument/2006/relationships" xmlns:p="http://schemas.openxmlformats.org/presentationml/2006/main">
+  <p:cSld>
+    <p:spTree>
+      <p:nvGrpSpPr>
+        <p:cNvPr id="1" name=""/>
+        <p:cNvGrpSpPr/>
+        <p:nvPr/>
+      </p:nvGrpSpPr>
+      <p:grpSpPr>
+        <a:xfrm>
+          <a:off x="0" y="0"/>
+          <a:ext cx="0" cy="0"/>
+          <a:chOff x="0" y="0"/>
+          <a:chExt cx="0" cy="0"/>
+        </a:xfrm>
+      </p:grpSpPr>
+      <p:pic>
+        <p:nvPicPr>
+          <p:cNvPr id="3" name="Grafik 2">
+            <a:extLst>
+              <a:ext uri="{FF2B5EF4-FFF2-40B4-BE49-F238E27FC236}">
+                <a16:creationId xmlns:a16="http://schemas.microsoft.com/office/drawing/2014/main" id="{9569FE0C-6893-4158-97A8-3CB2149AD5C0}"/>
+              </a:ext>
+            </a:extLst>
+          </p:cNvPr>
+          <p:cNvPicPr>
+            <a:picLocks noChangeAspect="1"/>
+          </p:cNvPicPr>
+          <p:nvPr/>
+        </p:nvPicPr>
+        <p:blipFill>
+          <a:blip r:embed="rId2"/>
+          <a:stretch>
+            <a:fillRect/>
+          </a:stretch>
+        </p:blipFill>
+        <p:spPr>
+          <a:xfrm>
+            <a:off x="1884516" y="0"/>
+            <a:ext cx="8422968" cy="6858000"/>
+          </a:xfrm>
+          <a:prstGeom prst="rect">
+            <a:avLst/>
+          </a:prstGeom>
+        </p:spPr>
+      </p:pic>
+    </p:spTree>
+    <p:extLst>
+      <p:ext uri="{BB962C8B-B14F-4D97-AF65-F5344CB8AC3E}">
+        <p14:creationId xmlns:p14="http://schemas.microsoft.com/office/powerpoint/2010/main" val="1900054090"/>
+      </p:ext>
+    </p:extLst>
+  </p:cSld>
+  <p:clrMapOvr>
+    <a:masterClrMapping/>
+  </p:clrMapOvr>
+</p:sld>
+</file>
+
+<file path=ppt/slides/slide13.xml><?xml version="1.0" encoding="utf-8"?>
+<p:sld xmlns:a="http://schemas.openxmlformats.org/drawingml/2006/main" xmlns:r="http://schemas.openxmlformats.org/officeDocument/2006/relationships" xmlns:p="http://schemas.openxmlformats.org/presentationml/2006/main">
+  <p:cSld>
+    <p:spTree>
+      <p:nvGrpSpPr>
+        <p:cNvPr id="1" name=""/>
+        <p:cNvGrpSpPr/>
+        <p:nvPr/>
+      </p:nvGrpSpPr>
+      <p:grpSpPr>
+        <a:xfrm>
+          <a:off x="0" y="0"/>
+          <a:ext cx="0" cy="0"/>
+          <a:chOff x="0" y="0"/>
+          <a:chExt cx="0" cy="0"/>
+        </a:xfrm>
+      </p:grpSpPr>
+      <p:pic>
+        <p:nvPicPr>
+          <p:cNvPr id="4" name="Grafik 3">
+            <a:extLst>
+              <a:ext uri="{FF2B5EF4-FFF2-40B4-BE49-F238E27FC236}">
+                <a16:creationId xmlns:a16="http://schemas.microsoft.com/office/drawing/2014/main" id="{8EA7E9F8-087C-4630-9C0A-C5934720D53C}"/>
+              </a:ext>
+            </a:extLst>
+          </p:cNvPr>
+          <p:cNvPicPr>
+            <a:picLocks noChangeAspect="1"/>
+          </p:cNvPicPr>
+          <p:nvPr/>
+        </p:nvPicPr>
+        <p:blipFill>
+          <a:blip r:embed="rId2"/>
+          <a:stretch>
+            <a:fillRect/>
+          </a:stretch>
+        </p:blipFill>
+        <p:spPr>
+          <a:xfrm>
+            <a:off x="1887682" y="0"/>
+            <a:ext cx="8416636" cy="6858000"/>
+          </a:xfrm>
+          <a:prstGeom prst="rect">
+            <a:avLst/>
+          </a:prstGeom>
+        </p:spPr>
+      </p:pic>
+    </p:spTree>
+    <p:extLst>
+      <p:ext uri="{BB962C8B-B14F-4D97-AF65-F5344CB8AC3E}">
+        <p14:creationId xmlns:p14="http://schemas.microsoft.com/office/powerpoint/2010/main" val="3541398169"/>
+      </p:ext>
+    </p:extLst>
+  </p:cSld>
+  <p:clrMapOvr>
+    <a:masterClrMapping/>
+  </p:clrMapOvr>
+</p:sld>
+</file>
+
+<file path=ppt/slides/slide14.xml><?xml version="1.0" encoding="utf-8"?>
+<p:sld xmlns:a="http://schemas.openxmlformats.org/drawingml/2006/main" xmlns:r="http://schemas.openxmlformats.org/officeDocument/2006/relationships" xmlns:p="http://schemas.openxmlformats.org/presentationml/2006/main">
+  <p:cSld>
+    <p:spTree>
+      <p:nvGrpSpPr>
+        <p:cNvPr id="1" name=""/>
+        <p:cNvGrpSpPr/>
+        <p:nvPr/>
+      </p:nvGrpSpPr>
+      <p:grpSpPr>
+        <a:xfrm>
+          <a:off x="0" y="0"/>
+          <a:ext cx="0" cy="0"/>
+          <a:chOff x="0" y="0"/>
+          <a:chExt cx="0" cy="0"/>
+        </a:xfrm>
+      </p:grpSpPr>
       <p:sp>
         <p:nvSpPr>
           <p:cNvPr id="2" name="Titel 1">
@@ -3442,7 +3686,7 @@
 </p:sld>
 </file>
 
-<file path=ppt/slides/slide11.xml><?xml version="1.0" encoding="utf-8"?>
+<file path=ppt/slides/slide15.xml><?xml version="1.0" encoding="utf-8"?>
 <p:sld xmlns:a="http://schemas.openxmlformats.org/drawingml/2006/main" xmlns:r="http://schemas.openxmlformats.org/officeDocument/2006/relationships" xmlns:p="http://schemas.openxmlformats.org/presentationml/2006/main">
   <p:cSld>
     <p:spTree>
@@ -3502,7 +3746,7 @@
 </p:sld>
 </file>
 
-<file path=ppt/slides/slide12.xml><?xml version="1.0" encoding="utf-8"?>
+<file path=ppt/slides/slide16.xml><?xml version="1.0" encoding="utf-8"?>
 <p:sld xmlns:a="http://schemas.openxmlformats.org/drawingml/2006/main" xmlns:r="http://schemas.openxmlformats.org/officeDocument/2006/relationships" xmlns:p="http://schemas.openxmlformats.org/presentationml/2006/main">
   <p:cSld>
     <p:spTree>
@@ -3562,7 +3806,7 @@
 </p:sld>
 </file>
 
-<file path=ppt/slides/slide13.xml><?xml version="1.0" encoding="utf-8"?>
+<file path=ppt/slides/slide17.xml><?xml version="1.0" encoding="utf-8"?>
 <p:sld xmlns:a="http://schemas.openxmlformats.org/drawingml/2006/main" xmlns:r="http://schemas.openxmlformats.org/officeDocument/2006/relationships" xmlns:p="http://schemas.openxmlformats.org/presentationml/2006/main">
   <p:cSld>
     <p:spTree>
@@ -3622,7 +3866,7 @@
 </p:sld>
 </file>
 
-<file path=ppt/slides/slide14.xml><?xml version="1.0" encoding="utf-8"?>
+<file path=ppt/slides/slide18.xml><?xml version="1.0" encoding="utf-8"?>
 <p:sld xmlns:a="http://schemas.openxmlformats.org/drawingml/2006/main" xmlns:r="http://schemas.openxmlformats.org/officeDocument/2006/relationships" xmlns:p="http://schemas.openxmlformats.org/presentationml/2006/main">
   <p:cSld>
     <p:spTree>
@@ -3737,7 +3981,7 @@
 </p:sld>
 </file>
 
-<file path=ppt/slides/slide15.xml><?xml version="1.0" encoding="utf-8"?>
+<file path=ppt/slides/slide19.xml><?xml version="1.0" encoding="utf-8"?>
 <p:sld xmlns:a="http://schemas.openxmlformats.org/drawingml/2006/main" xmlns:r="http://schemas.openxmlformats.org/officeDocument/2006/relationships" xmlns:p="http://schemas.openxmlformats.org/presentationml/2006/main">
   <p:cSld>
     <p:spTree>
@@ -3795,7 +4039,209 @@
 </p:sld>
 </file>
 
-<file path=ppt/slides/slide16.xml><?xml version="1.0" encoding="utf-8"?>
+<file path=ppt/slides/slide2.xml><?xml version="1.0" encoding="utf-8"?>
+<p:sld xmlns:a="http://schemas.openxmlformats.org/drawingml/2006/main" xmlns:r="http://schemas.openxmlformats.org/officeDocument/2006/relationships" xmlns:p="http://schemas.openxmlformats.org/presentationml/2006/main">
+  <p:cSld>
+    <p:spTree>
+      <p:nvGrpSpPr>
+        <p:cNvPr id="1" name=""/>
+        <p:cNvGrpSpPr/>
+        <p:nvPr/>
+      </p:nvGrpSpPr>
+      <p:grpSpPr>
+        <a:xfrm>
+          <a:off x="0" y="0"/>
+          <a:ext cx="0" cy="0"/>
+          <a:chOff x="0" y="0"/>
+          <a:chExt cx="0" cy="0"/>
+        </a:xfrm>
+      </p:grpSpPr>
+      <p:pic>
+        <p:nvPicPr>
+          <p:cNvPr id="14" name="Grafik 13">
+            <a:extLst>
+              <a:ext uri="{FF2B5EF4-FFF2-40B4-BE49-F238E27FC236}">
+                <a16:creationId xmlns:a16="http://schemas.microsoft.com/office/drawing/2014/main" id="{EB472FEC-14D1-4A5E-8994-34772F399050}"/>
+              </a:ext>
+            </a:extLst>
+          </p:cNvPr>
+          <p:cNvPicPr>
+            <a:picLocks noChangeAspect="1"/>
+          </p:cNvPicPr>
+          <p:nvPr/>
+        </p:nvPicPr>
+        <p:blipFill>
+          <a:blip r:embed="rId2"/>
+          <a:stretch>
+            <a:fillRect/>
+          </a:stretch>
+        </p:blipFill>
+        <p:spPr>
+          <a:xfrm>
+            <a:off x="1846842" y="0"/>
+            <a:ext cx="8498315" cy="6858000"/>
+          </a:xfrm>
+          <a:prstGeom prst="rect">
+            <a:avLst/>
+          </a:prstGeom>
+        </p:spPr>
+      </p:pic>
+      <p:pic>
+        <p:nvPicPr>
+          <p:cNvPr id="6" name="Grafik 5">
+            <a:extLst>
+              <a:ext uri="{FF2B5EF4-FFF2-40B4-BE49-F238E27FC236}">
+                <a16:creationId xmlns:a16="http://schemas.microsoft.com/office/drawing/2014/main" id="{C443AFC2-2EA1-4A6B-AD0D-BF20171AD947}"/>
+              </a:ext>
+            </a:extLst>
+          </p:cNvPr>
+          <p:cNvPicPr>
+            <a:picLocks noChangeAspect="1"/>
+          </p:cNvPicPr>
+          <p:nvPr/>
+        </p:nvPicPr>
+        <p:blipFill>
+          <a:blip r:embed="rId3"/>
+          <a:stretch>
+            <a:fillRect/>
+          </a:stretch>
+        </p:blipFill>
+        <p:spPr>
+          <a:xfrm>
+            <a:off x="-225955" y="2597326"/>
+            <a:ext cx="5057775" cy="2295525"/>
+          </a:xfrm>
+          <a:prstGeom prst="rect">
+            <a:avLst/>
+          </a:prstGeom>
+        </p:spPr>
+      </p:pic>
+      <p:pic>
+        <p:nvPicPr>
+          <p:cNvPr id="7" name="Grafik 6">
+            <a:extLst>
+              <a:ext uri="{FF2B5EF4-FFF2-40B4-BE49-F238E27FC236}">
+                <a16:creationId xmlns:a16="http://schemas.microsoft.com/office/drawing/2014/main" id="{58C2BDF6-9B66-42D6-92B2-1F1A76B048C6}"/>
+              </a:ext>
+            </a:extLst>
+          </p:cNvPr>
+          <p:cNvPicPr>
+            <a:picLocks noChangeAspect="1"/>
+          </p:cNvPicPr>
+          <p:nvPr/>
+        </p:nvPicPr>
+        <p:blipFill>
+          <a:blip r:embed="rId4"/>
+          <a:stretch>
+            <a:fillRect/>
+          </a:stretch>
+        </p:blipFill>
+        <p:spPr>
+          <a:xfrm>
+            <a:off x="7130698" y="2525888"/>
+            <a:ext cx="5200650" cy="2438400"/>
+          </a:xfrm>
+          <a:prstGeom prst="rect">
+            <a:avLst/>
+          </a:prstGeom>
+        </p:spPr>
+      </p:pic>
+      <p:cxnSp>
+        <p:nvCxnSpPr>
+          <p:cNvPr id="9" name="Gerade Verbindung mit Pfeil 8">
+            <a:extLst>
+              <a:ext uri="{FF2B5EF4-FFF2-40B4-BE49-F238E27FC236}">
+                <a16:creationId xmlns:a16="http://schemas.microsoft.com/office/drawing/2014/main" id="{9BA2B93D-3A6D-40A6-8CB2-B0338FFABBAE}"/>
+              </a:ext>
+            </a:extLst>
+          </p:cNvPr>
+          <p:cNvCxnSpPr>
+            <a:cxnSpLocks/>
+          </p:cNvCxnSpPr>
+          <p:nvPr/>
+        </p:nvCxnSpPr>
+        <p:spPr>
+          <a:xfrm flipH="1" flipV="1">
+            <a:off x="158620" y="2827176"/>
+            <a:ext cx="5339069" cy="3528469"/>
+          </a:xfrm>
+          <a:prstGeom prst="straightConnector1">
+            <a:avLst/>
+          </a:prstGeom>
+          <a:ln>
+            <a:tailEnd type="triangle"/>
+          </a:ln>
+        </p:spPr>
+        <p:style>
+          <a:lnRef idx="1">
+            <a:schemeClr val="dk1"/>
+          </a:lnRef>
+          <a:fillRef idx="0">
+            <a:schemeClr val="dk1"/>
+          </a:fillRef>
+          <a:effectRef idx="0">
+            <a:schemeClr val="dk1"/>
+          </a:effectRef>
+          <a:fontRef idx="minor">
+            <a:schemeClr val="tx1"/>
+          </a:fontRef>
+        </p:style>
+      </p:cxnSp>
+      <p:cxnSp>
+        <p:nvCxnSpPr>
+          <p:cNvPr id="11" name="Gerade Verbindung mit Pfeil 10">
+            <a:extLst>
+              <a:ext uri="{FF2B5EF4-FFF2-40B4-BE49-F238E27FC236}">
+                <a16:creationId xmlns:a16="http://schemas.microsoft.com/office/drawing/2014/main" id="{740FBF1F-56A6-43AB-B9DE-281BF38059D4}"/>
+              </a:ext>
+            </a:extLst>
+          </p:cNvPr>
+          <p:cNvCxnSpPr>
+            <a:cxnSpLocks/>
+          </p:cNvCxnSpPr>
+          <p:nvPr/>
+        </p:nvCxnSpPr>
+        <p:spPr>
+          <a:xfrm flipV="1">
+            <a:off x="6223518" y="2752531"/>
+            <a:ext cx="1511560" cy="3536303"/>
+          </a:xfrm>
+          <a:prstGeom prst="straightConnector1">
+            <a:avLst/>
+          </a:prstGeom>
+          <a:ln>
+            <a:tailEnd type="triangle"/>
+          </a:ln>
+        </p:spPr>
+        <p:style>
+          <a:lnRef idx="1">
+            <a:schemeClr val="dk1"/>
+          </a:lnRef>
+          <a:fillRef idx="0">
+            <a:schemeClr val="dk1"/>
+          </a:fillRef>
+          <a:effectRef idx="0">
+            <a:schemeClr val="dk1"/>
+          </a:effectRef>
+          <a:fontRef idx="minor">
+            <a:schemeClr val="tx1"/>
+          </a:fontRef>
+        </p:style>
+      </p:cxnSp>
+    </p:spTree>
+    <p:extLst>
+      <p:ext uri="{BB962C8B-B14F-4D97-AF65-F5344CB8AC3E}">
+        <p14:creationId xmlns:p14="http://schemas.microsoft.com/office/powerpoint/2010/main" val="2912186668"/>
+      </p:ext>
+    </p:extLst>
+  </p:cSld>
+  <p:clrMapOvr>
+    <a:masterClrMapping/>
+  </p:clrMapOvr>
+</p:sld>
+</file>
+
+<file path=ppt/slides/slide20.xml><?xml version="1.0" encoding="utf-8"?>
 <p:sld xmlns:a="http://schemas.openxmlformats.org/drawingml/2006/main" xmlns:r="http://schemas.openxmlformats.org/officeDocument/2006/relationships" xmlns:p="http://schemas.openxmlformats.org/presentationml/2006/main">
   <p:cSld>
     <p:spTree>
@@ -4234,7 +4680,7 @@
 </p:sld>
 </file>
 
-<file path=ppt/slides/slide17.xml><?xml version="1.0" encoding="utf-8"?>
+<file path=ppt/slides/slide21.xml><?xml version="1.0" encoding="utf-8"?>
 <p:sld xmlns:a="http://schemas.openxmlformats.org/drawingml/2006/main" xmlns:r="http://schemas.openxmlformats.org/officeDocument/2006/relationships" xmlns:p="http://schemas.openxmlformats.org/presentationml/2006/main">
   <p:cSld>
     <p:spTree>
@@ -4294,7 +4740,7 @@
 </p:sld>
 </file>
 
-<file path=ppt/slides/slide18.xml><?xml version="1.0" encoding="utf-8"?>
+<file path=ppt/slides/slide22.xml><?xml version="1.0" encoding="utf-8"?>
 <p:sld xmlns:a="http://schemas.openxmlformats.org/drawingml/2006/main" xmlns:r="http://schemas.openxmlformats.org/officeDocument/2006/relationships" xmlns:p="http://schemas.openxmlformats.org/presentationml/2006/main">
   <p:cSld>
     <p:spTree>
@@ -4354,66 +4800,6 @@
 </p:sld>
 </file>
 
-<file path=ppt/slides/slide2.xml><?xml version="1.0" encoding="utf-8"?>
-<p:sld xmlns:a="http://schemas.openxmlformats.org/drawingml/2006/main" xmlns:r="http://schemas.openxmlformats.org/officeDocument/2006/relationships" xmlns:p="http://schemas.openxmlformats.org/presentationml/2006/main">
-  <p:cSld>
-    <p:spTree>
-      <p:nvGrpSpPr>
-        <p:cNvPr id="1" name=""/>
-        <p:cNvGrpSpPr/>
-        <p:nvPr/>
-      </p:nvGrpSpPr>
-      <p:grpSpPr>
-        <a:xfrm>
-          <a:off x="0" y="0"/>
-          <a:ext cx="0" cy="0"/>
-          <a:chOff x="0" y="0"/>
-          <a:chExt cx="0" cy="0"/>
-        </a:xfrm>
-      </p:grpSpPr>
-      <p:pic>
-        <p:nvPicPr>
-          <p:cNvPr id="3" name="Grafik 2">
-            <a:extLst>
-              <a:ext uri="{FF2B5EF4-FFF2-40B4-BE49-F238E27FC236}">
-                <a16:creationId xmlns:a16="http://schemas.microsoft.com/office/drawing/2014/main" id="{87E1354E-1071-4749-9B18-EACF4A415E7E}"/>
-              </a:ext>
-            </a:extLst>
-          </p:cNvPr>
-          <p:cNvPicPr>
-            <a:picLocks noChangeAspect="1"/>
-          </p:cNvPicPr>
-          <p:nvPr/>
-        </p:nvPicPr>
-        <p:blipFill>
-          <a:blip r:embed="rId2"/>
-          <a:stretch>
-            <a:fillRect/>
-          </a:stretch>
-        </p:blipFill>
-        <p:spPr>
-          <a:xfrm>
-            <a:off x="1761613" y="0"/>
-            <a:ext cx="8668774" cy="6858000"/>
-          </a:xfrm>
-          <a:prstGeom prst="rect">
-            <a:avLst/>
-          </a:prstGeom>
-        </p:spPr>
-      </p:pic>
-    </p:spTree>
-    <p:extLst>
-      <p:ext uri="{BB962C8B-B14F-4D97-AF65-F5344CB8AC3E}">
-        <p14:creationId xmlns:p14="http://schemas.microsoft.com/office/powerpoint/2010/main" val="5847988"/>
-      </p:ext>
-    </p:extLst>
-  </p:cSld>
-  <p:clrMapOvr>
-    <a:masterClrMapping/>
-  </p:clrMapOvr>
-</p:sld>
-</file>
-
 <file path=ppt/slides/slide3.xml><?xml version="1.0" encoding="utf-8"?>
 <p:sld xmlns:a="http://schemas.openxmlformats.org/drawingml/2006/main" xmlns:r="http://schemas.openxmlformats.org/officeDocument/2006/relationships" xmlns:p="http://schemas.openxmlformats.org/presentationml/2006/main">
   <p:cSld>
@@ -4433,10 +4819,10 @@
       </p:grpSpPr>
       <p:pic>
         <p:nvPicPr>
-          <p:cNvPr id="4" name="Grafik 3">
-            <a:extLst>
-              <a:ext uri="{FF2B5EF4-FFF2-40B4-BE49-F238E27FC236}">
-                <a16:creationId xmlns:a16="http://schemas.microsoft.com/office/drawing/2014/main" id="{339B426C-4900-483F-8E54-93C1C6C3AF12}"/>
+          <p:cNvPr id="6" name="Grafik 5">
+            <a:extLst>
+              <a:ext uri="{FF2B5EF4-FFF2-40B4-BE49-F238E27FC236}">
+                <a16:creationId xmlns:a16="http://schemas.microsoft.com/office/drawing/2014/main" id="{961572A6-3E26-4C62-A4AC-03E33FE56ED5}"/>
               </a:ext>
             </a:extLst>
           </p:cNvPr>
@@ -4453,18 +4839,160 @@
         </p:blipFill>
         <p:spPr>
           <a:xfrm>
-            <a:off x="1754244" y="0"/>
-            <a:ext cx="8683511" cy="6858000"/>
+            <a:off x="1858002" y="0"/>
+            <a:ext cx="8475995" cy="6858000"/>
           </a:xfrm>
           <a:prstGeom prst="rect">
             <a:avLst/>
           </a:prstGeom>
         </p:spPr>
       </p:pic>
+      <p:pic>
+        <p:nvPicPr>
+          <p:cNvPr id="3" name="Grafik 2">
+            <a:extLst>
+              <a:ext uri="{FF2B5EF4-FFF2-40B4-BE49-F238E27FC236}">
+                <a16:creationId xmlns:a16="http://schemas.microsoft.com/office/drawing/2014/main" id="{A2C94689-CFF3-4733-8FA8-9C8E382C5C4A}"/>
+              </a:ext>
+            </a:extLst>
+          </p:cNvPr>
+          <p:cNvPicPr>
+            <a:picLocks noChangeAspect="1"/>
+          </p:cNvPicPr>
+          <p:nvPr/>
+        </p:nvPicPr>
+        <p:blipFill>
+          <a:blip r:embed="rId3"/>
+          <a:stretch>
+            <a:fillRect/>
+          </a:stretch>
+        </p:blipFill>
+        <p:spPr>
+          <a:xfrm>
+            <a:off x="7978702" y="2634544"/>
+            <a:ext cx="5133975" cy="2514600"/>
+          </a:xfrm>
+          <a:prstGeom prst="rect">
+            <a:avLst/>
+          </a:prstGeom>
+        </p:spPr>
+      </p:pic>
+      <p:pic>
+        <p:nvPicPr>
+          <p:cNvPr id="4" name="Grafik 3">
+            <a:extLst>
+              <a:ext uri="{FF2B5EF4-FFF2-40B4-BE49-F238E27FC236}">
+                <a16:creationId xmlns:a16="http://schemas.microsoft.com/office/drawing/2014/main" id="{4184EB86-3DF1-4327-A110-DC885B661676}"/>
+              </a:ext>
+            </a:extLst>
+          </p:cNvPr>
+          <p:cNvPicPr>
+            <a:picLocks noChangeAspect="1"/>
+          </p:cNvPicPr>
+          <p:nvPr/>
+        </p:nvPicPr>
+        <p:blipFill>
+          <a:blip r:embed="rId4"/>
+          <a:stretch>
+            <a:fillRect/>
+          </a:stretch>
+        </p:blipFill>
+        <p:spPr>
+          <a:xfrm>
+            <a:off x="-216252" y="2789414"/>
+            <a:ext cx="4857750" cy="2724150"/>
+          </a:xfrm>
+          <a:prstGeom prst="rect">
+            <a:avLst/>
+          </a:prstGeom>
+        </p:spPr>
+      </p:pic>
+      <p:cxnSp>
+        <p:nvCxnSpPr>
+          <p:cNvPr id="8" name="Gerade Verbindung mit Pfeil 7">
+            <a:extLst>
+              <a:ext uri="{FF2B5EF4-FFF2-40B4-BE49-F238E27FC236}">
+                <a16:creationId xmlns:a16="http://schemas.microsoft.com/office/drawing/2014/main" id="{B5D22B8C-7F19-411E-A8EB-9A4F6F8FD94F}"/>
+              </a:ext>
+            </a:extLst>
+          </p:cNvPr>
+          <p:cNvCxnSpPr>
+            <a:cxnSpLocks/>
+          </p:cNvCxnSpPr>
+          <p:nvPr/>
+        </p:nvCxnSpPr>
+        <p:spPr>
+          <a:xfrm flipH="1" flipV="1">
+            <a:off x="373224" y="2976465"/>
+            <a:ext cx="4853532" cy="3288869"/>
+          </a:xfrm>
+          <a:prstGeom prst="straightConnector1">
+            <a:avLst/>
+          </a:prstGeom>
+          <a:ln>
+            <a:tailEnd type="triangle"/>
+          </a:ln>
+        </p:spPr>
+        <p:style>
+          <a:lnRef idx="1">
+            <a:schemeClr val="dk1"/>
+          </a:lnRef>
+          <a:fillRef idx="0">
+            <a:schemeClr val="dk1"/>
+          </a:fillRef>
+          <a:effectRef idx="0">
+            <a:schemeClr val="dk1"/>
+          </a:effectRef>
+          <a:fontRef idx="minor">
+            <a:schemeClr val="tx1"/>
+          </a:fontRef>
+        </p:style>
+      </p:cxnSp>
+      <p:cxnSp>
+        <p:nvCxnSpPr>
+          <p:cNvPr id="10" name="Gerade Verbindung mit Pfeil 9">
+            <a:extLst>
+              <a:ext uri="{FF2B5EF4-FFF2-40B4-BE49-F238E27FC236}">
+                <a16:creationId xmlns:a16="http://schemas.microsoft.com/office/drawing/2014/main" id="{B73F45AD-CE19-4317-94D4-AC703A2AD122}"/>
+              </a:ext>
+            </a:extLst>
+          </p:cNvPr>
+          <p:cNvCxnSpPr>
+            <a:cxnSpLocks/>
+          </p:cNvCxnSpPr>
+          <p:nvPr/>
+        </p:nvCxnSpPr>
+        <p:spPr>
+          <a:xfrm flipV="1">
+            <a:off x="6095999" y="2873829"/>
+            <a:ext cx="2310883" cy="3391505"/>
+          </a:xfrm>
+          <a:prstGeom prst="straightConnector1">
+            <a:avLst/>
+          </a:prstGeom>
+          <a:ln>
+            <a:tailEnd type="triangle"/>
+          </a:ln>
+        </p:spPr>
+        <p:style>
+          <a:lnRef idx="1">
+            <a:schemeClr val="dk1"/>
+          </a:lnRef>
+          <a:fillRef idx="0">
+            <a:schemeClr val="dk1"/>
+          </a:fillRef>
+          <a:effectRef idx="0">
+            <a:schemeClr val="dk1"/>
+          </a:effectRef>
+          <a:fontRef idx="minor">
+            <a:schemeClr val="tx1"/>
+          </a:fontRef>
+        </p:style>
+      </p:cxnSp>
     </p:spTree>
     <p:extLst>
       <p:ext uri="{BB962C8B-B14F-4D97-AF65-F5344CB8AC3E}">
-        <p14:creationId xmlns:p14="http://schemas.microsoft.com/office/powerpoint/2010/main" val="3358888486"/>
+        <p14:creationId xmlns:p14="http://schemas.microsoft.com/office/powerpoint/2010/main" val="3396616512"/>
       </p:ext>
     </p:extLst>
   </p:cSld>
@@ -4493,10 +5021,10 @@
       </p:grpSpPr>
       <p:pic>
         <p:nvPicPr>
-          <p:cNvPr id="5" name="Grafik 4">
-            <a:extLst>
-              <a:ext uri="{FF2B5EF4-FFF2-40B4-BE49-F238E27FC236}">
-                <a16:creationId xmlns:a16="http://schemas.microsoft.com/office/drawing/2014/main" id="{10FFBFC0-6D08-4CFD-A31F-E751099F5C14}"/>
+          <p:cNvPr id="2" name="Grafik 1">
+            <a:extLst>
+              <a:ext uri="{FF2B5EF4-FFF2-40B4-BE49-F238E27FC236}">
+                <a16:creationId xmlns:a16="http://schemas.microsoft.com/office/drawing/2014/main" id="{5D0EEBCD-AA18-4B97-92E0-332F8C84304A}"/>
               </a:ext>
             </a:extLst>
           </p:cNvPr>
@@ -4513,18 +5041,89 @@
         </p:blipFill>
         <p:spPr>
           <a:xfrm>
-            <a:off x="1889887" y="0"/>
-            <a:ext cx="8660581" cy="6858000"/>
+            <a:off x="1846842" y="0"/>
+            <a:ext cx="8498315" cy="6858000"/>
           </a:xfrm>
           <a:prstGeom prst="rect">
             <a:avLst/>
           </a:prstGeom>
         </p:spPr>
       </p:pic>
+      <p:pic>
+        <p:nvPicPr>
+          <p:cNvPr id="3" name="Grafik 2">
+            <a:extLst>
+              <a:ext uri="{FF2B5EF4-FFF2-40B4-BE49-F238E27FC236}">
+                <a16:creationId xmlns:a16="http://schemas.microsoft.com/office/drawing/2014/main" id="{0950B405-925B-46B9-9FAA-5024884CEE66}"/>
+              </a:ext>
+            </a:extLst>
+          </p:cNvPr>
+          <p:cNvPicPr>
+            <a:picLocks noChangeAspect="1"/>
+          </p:cNvPicPr>
+          <p:nvPr/>
+        </p:nvPicPr>
+        <p:blipFill>
+          <a:blip r:embed="rId3"/>
+          <a:stretch>
+            <a:fillRect/>
+          </a:stretch>
+        </p:blipFill>
+        <p:spPr>
+          <a:xfrm>
+            <a:off x="1240352" y="-772652"/>
+            <a:ext cx="7334043" cy="6858000"/>
+          </a:xfrm>
+          <a:prstGeom prst="rect">
+            <a:avLst/>
+          </a:prstGeom>
+        </p:spPr>
+      </p:pic>
+      <p:cxnSp>
+        <p:nvCxnSpPr>
+          <p:cNvPr id="5" name="Gerade Verbindung mit Pfeil 4">
+            <a:extLst>
+              <a:ext uri="{FF2B5EF4-FFF2-40B4-BE49-F238E27FC236}">
+                <a16:creationId xmlns:a16="http://schemas.microsoft.com/office/drawing/2014/main" id="{9D47A864-FACC-4382-A4A0-40F35C689F44}"/>
+              </a:ext>
+            </a:extLst>
+          </p:cNvPr>
+          <p:cNvCxnSpPr>
+            <a:cxnSpLocks/>
+          </p:cNvCxnSpPr>
+          <p:nvPr/>
+        </p:nvCxnSpPr>
+        <p:spPr>
+          <a:xfrm flipH="1" flipV="1">
+            <a:off x="1931437" y="-569167"/>
+            <a:ext cx="7867320" cy="1054591"/>
+          </a:xfrm>
+          <a:prstGeom prst="straightConnector1">
+            <a:avLst/>
+          </a:prstGeom>
+          <a:ln>
+            <a:tailEnd type="triangle"/>
+          </a:ln>
+        </p:spPr>
+        <p:style>
+          <a:lnRef idx="1">
+            <a:schemeClr val="dk1"/>
+          </a:lnRef>
+          <a:fillRef idx="0">
+            <a:schemeClr val="dk1"/>
+          </a:fillRef>
+          <a:effectRef idx="0">
+            <a:schemeClr val="dk1"/>
+          </a:effectRef>
+          <a:fontRef idx="minor">
+            <a:schemeClr val="tx1"/>
+          </a:fontRef>
+        </p:style>
+      </p:cxnSp>
     </p:spTree>
     <p:extLst>
       <p:ext uri="{BB962C8B-B14F-4D97-AF65-F5344CB8AC3E}">
-        <p14:creationId xmlns:p14="http://schemas.microsoft.com/office/powerpoint/2010/main" val="2172478702"/>
+        <p14:creationId xmlns:p14="http://schemas.microsoft.com/office/powerpoint/2010/main" val="2647228994"/>
       </p:ext>
     </p:extLst>
   </p:cSld>
@@ -4553,89 +5152,36 @@
       </p:grpSpPr>
       <p:sp>
         <p:nvSpPr>
-          <p:cNvPr id="2" name="Textfeld 1">
-            <a:extLst>
-              <a:ext uri="{FF2B5EF4-FFF2-40B4-BE49-F238E27FC236}">
-                <a16:creationId xmlns:a16="http://schemas.microsoft.com/office/drawing/2014/main" id="{3EB75A9F-B994-4C0F-93D8-071FEEB68594}"/>
-              </a:ext>
-            </a:extLst>
-          </p:cNvPr>
-          <p:cNvSpPr txBox="1"/>
-          <p:nvPr/>
-        </p:nvSpPr>
-        <p:spPr>
-          <a:xfrm>
-            <a:off x="727788" y="3573624"/>
-            <a:ext cx="6534161" cy="369332"/>
-          </a:xfrm>
-          <a:prstGeom prst="rect">
-            <a:avLst/>
-          </a:prstGeom>
-          <a:noFill/>
-        </p:spPr>
-        <p:txBody>
-          <a:bodyPr wrap="none" rtlCol="0">
-            <a:spAutoFit/>
-          </a:bodyPr>
+          <p:cNvPr id="2" name="Titel 1">
+            <a:extLst>
+              <a:ext uri="{FF2B5EF4-FFF2-40B4-BE49-F238E27FC236}">
+                <a16:creationId xmlns:a16="http://schemas.microsoft.com/office/drawing/2014/main" id="{399FE4F4-4C2A-4E8A-90DC-9FE61AD3C780}"/>
+              </a:ext>
+            </a:extLst>
+          </p:cNvPr>
+          <p:cNvSpPr>
+            <a:spLocks noGrp="1"/>
+          </p:cNvSpPr>
+          <p:nvPr>
+            <p:ph type="title"/>
+          </p:nvPr>
+        </p:nvSpPr>
+        <p:spPr/>
+        <p:txBody>
+          <a:bodyPr/>
           <a:lstStyle/>
           <a:p>
             <a:r>
               <a:rPr lang="de-DE" dirty="0"/>
-              <a:t>Resize </a:t>
-            </a:r>
-            <a:r>
-              <a:rPr lang="de-DE" dirty="0" err="1"/>
-              <a:t>option</a:t>
-            </a:r>
-            <a:r>
-              <a:rPr lang="de-DE" dirty="0"/>
-              <a:t> außerhalb der Dataaugmentation </a:t>
-            </a:r>
-            <a:r>
-              <a:rPr lang="de-DE" dirty="0" err="1"/>
-              <a:t>Groupbox</a:t>
-            </a:r>
-            <a:r>
-              <a:rPr lang="de-DE" dirty="0"/>
-              <a:t> einbauen</a:t>
-            </a:r>
-          </a:p>
-        </p:txBody>
-      </p:sp>
-      <p:pic>
-        <p:nvPicPr>
-          <p:cNvPr id="7" name="Grafik 6">
-            <a:extLst>
-              <a:ext uri="{FF2B5EF4-FFF2-40B4-BE49-F238E27FC236}">
-                <a16:creationId xmlns:a16="http://schemas.microsoft.com/office/drawing/2014/main" id="{6C2BAFCA-CBE4-43D5-A6FB-816761B7EFC0}"/>
-              </a:ext>
-            </a:extLst>
-          </p:cNvPr>
-          <p:cNvPicPr>
-            <a:picLocks noChangeAspect="1"/>
-          </p:cNvPicPr>
-          <p:nvPr/>
-        </p:nvPicPr>
-        <p:blipFill>
-          <a:blip r:embed="rId2"/>
-          <a:stretch>
-            <a:fillRect/>
-          </a:stretch>
-        </p:blipFill>
-        <p:spPr>
-          <a:xfrm>
-            <a:off x="1837603" y="0"/>
-            <a:ext cx="8516794" cy="6858000"/>
-          </a:xfrm>
-          <a:prstGeom prst="rect">
-            <a:avLst/>
-          </a:prstGeom>
-        </p:spPr>
-      </p:pic>
+              <a:t>Hauptprogramm</a:t>
+            </a:r>
+          </a:p>
+        </p:txBody>
+      </p:sp>
     </p:spTree>
     <p:extLst>
       <p:ext uri="{BB962C8B-B14F-4D97-AF65-F5344CB8AC3E}">
-        <p14:creationId xmlns:p14="http://schemas.microsoft.com/office/powerpoint/2010/main" val="3841762557"/>
+        <p14:creationId xmlns:p14="http://schemas.microsoft.com/office/powerpoint/2010/main" val="3639309633"/>
       </p:ext>
     </p:extLst>
   </p:cSld>
@@ -4667,7 +5213,7 @@
           <p:cNvPr id="4" name="Grafik 3">
             <a:extLst>
               <a:ext uri="{FF2B5EF4-FFF2-40B4-BE49-F238E27FC236}">
-                <a16:creationId xmlns:a16="http://schemas.microsoft.com/office/drawing/2014/main" id="{710F6FAC-6B57-4A52-BB21-3AE5A2D2CFE8}"/>
+                <a16:creationId xmlns:a16="http://schemas.microsoft.com/office/drawing/2014/main" id="{C36F5DCE-FE0C-4993-9388-DA096039DB31}"/>
               </a:ext>
             </a:extLst>
           </p:cNvPr>
@@ -4684,8 +5230,8 @@
         </p:blipFill>
         <p:spPr>
           <a:xfrm>
-            <a:off x="1821152" y="0"/>
-            <a:ext cx="8549695" cy="6858000"/>
+            <a:off x="1846842" y="0"/>
+            <a:ext cx="8498315" cy="6858000"/>
           </a:xfrm>
           <a:prstGeom prst="rect">
             <a:avLst/>
@@ -4695,7 +5241,7 @@
     </p:spTree>
     <p:extLst>
       <p:ext uri="{BB962C8B-B14F-4D97-AF65-F5344CB8AC3E}">
-        <p14:creationId xmlns:p14="http://schemas.microsoft.com/office/powerpoint/2010/main" val="354337327"/>
+        <p14:creationId xmlns:p14="http://schemas.microsoft.com/office/powerpoint/2010/main" val="5847988"/>
       </p:ext>
     </p:extLst>
   </p:cSld>
@@ -4724,10 +5270,10 @@
       </p:grpSpPr>
       <p:pic>
         <p:nvPicPr>
-          <p:cNvPr id="3" name="Grafik 2">
-            <a:extLst>
-              <a:ext uri="{FF2B5EF4-FFF2-40B4-BE49-F238E27FC236}">
-                <a16:creationId xmlns:a16="http://schemas.microsoft.com/office/drawing/2014/main" id="{AC47266B-F753-48E4-B4D6-BD45628D04DA}"/>
+          <p:cNvPr id="6" name="Grafik 5">
+            <a:extLst>
+              <a:ext uri="{FF2B5EF4-FFF2-40B4-BE49-F238E27FC236}">
+                <a16:creationId xmlns:a16="http://schemas.microsoft.com/office/drawing/2014/main" id="{795F967D-E9F6-4AAE-B057-E4AACA83C298}"/>
               </a:ext>
             </a:extLst>
           </p:cNvPr>
@@ -4744,8 +5290,8 @@
         </p:blipFill>
         <p:spPr>
           <a:xfrm>
-            <a:off x="1679664" y="0"/>
-            <a:ext cx="8494005" cy="6858000"/>
+            <a:off x="1865255" y="0"/>
+            <a:ext cx="8461489" cy="6858000"/>
           </a:xfrm>
           <a:prstGeom prst="rect">
             <a:avLst/>
@@ -4755,7 +5301,7 @@
     </p:spTree>
     <p:extLst>
       <p:ext uri="{BB962C8B-B14F-4D97-AF65-F5344CB8AC3E}">
-        <p14:creationId xmlns:p14="http://schemas.microsoft.com/office/powerpoint/2010/main" val="4078678137"/>
+        <p14:creationId xmlns:p14="http://schemas.microsoft.com/office/powerpoint/2010/main" val="3358888486"/>
       </p:ext>
     </p:extLst>
   </p:cSld>
@@ -4784,10 +5330,10 @@
       </p:grpSpPr>
       <p:pic>
         <p:nvPicPr>
-          <p:cNvPr id="4" name="Grafik 3">
-            <a:extLst>
-              <a:ext uri="{FF2B5EF4-FFF2-40B4-BE49-F238E27FC236}">
-                <a16:creationId xmlns:a16="http://schemas.microsoft.com/office/drawing/2014/main" id="{A7E62155-6DB5-416D-9919-5A9BC32CC53D}"/>
+          <p:cNvPr id="3" name="Grafik 2">
+            <a:extLst>
+              <a:ext uri="{FF2B5EF4-FFF2-40B4-BE49-F238E27FC236}">
+                <a16:creationId xmlns:a16="http://schemas.microsoft.com/office/drawing/2014/main" id="{CB0C78D9-885E-46E6-8C75-E0E2D042EE5B}"/>
               </a:ext>
             </a:extLst>
           </p:cNvPr>
@@ -4804,8 +5350,8 @@
         </p:blipFill>
         <p:spPr>
           <a:xfrm>
-            <a:off x="1796274" y="0"/>
-            <a:ext cx="8599451" cy="6858000"/>
+            <a:off x="1874120" y="0"/>
+            <a:ext cx="8443759" cy="6858000"/>
           </a:xfrm>
           <a:prstGeom prst="rect">
             <a:avLst/>
@@ -4815,7 +5361,7 @@
     </p:spTree>
     <p:extLst>
       <p:ext uri="{BB962C8B-B14F-4D97-AF65-F5344CB8AC3E}">
-        <p14:creationId xmlns:p14="http://schemas.microsoft.com/office/powerpoint/2010/main" val="1900054090"/>
+        <p14:creationId xmlns:p14="http://schemas.microsoft.com/office/powerpoint/2010/main" val="2172478702"/>
       </p:ext>
     </p:extLst>
   </p:cSld>
@@ -4844,10 +5390,10 @@
       </p:grpSpPr>
       <p:pic>
         <p:nvPicPr>
-          <p:cNvPr id="3" name="Grafik 2">
-            <a:extLst>
-              <a:ext uri="{FF2B5EF4-FFF2-40B4-BE49-F238E27FC236}">
-                <a16:creationId xmlns:a16="http://schemas.microsoft.com/office/drawing/2014/main" id="{8E0F481D-006B-4071-86E5-9C0A1891728C}"/>
+          <p:cNvPr id="4" name="Grafik 3">
+            <a:extLst>
+              <a:ext uri="{FF2B5EF4-FFF2-40B4-BE49-F238E27FC236}">
+                <a16:creationId xmlns:a16="http://schemas.microsoft.com/office/drawing/2014/main" id="{4800DE0F-36C8-4795-8196-797A47FB5CA0}"/>
               </a:ext>
             </a:extLst>
           </p:cNvPr>
@@ -4864,8 +5410,8 @@
         </p:blipFill>
         <p:spPr>
           <a:xfrm>
-            <a:off x="1117992" y="0"/>
-            <a:ext cx="9956015" cy="6858000"/>
+            <a:off x="1900903" y="0"/>
+            <a:ext cx="8390194" cy="6858000"/>
           </a:xfrm>
           <a:prstGeom prst="rect">
             <a:avLst/>
@@ -4875,7 +5421,7 @@
     </p:spTree>
     <p:extLst>
       <p:ext uri="{BB962C8B-B14F-4D97-AF65-F5344CB8AC3E}">
-        <p14:creationId xmlns:p14="http://schemas.microsoft.com/office/powerpoint/2010/main" val="3541398169"/>
+        <p14:creationId xmlns:p14="http://schemas.microsoft.com/office/powerpoint/2010/main" val="3841762557"/>
       </p:ext>
     </p:extLst>
   </p:cSld>
